--- a/Mobile Development Strategies.pptx
+++ b/Mobile Development Strategies.pptx
@@ -5,16 +5,18 @@
     <p:sldMasterId id="2147483784" r:id="rId1"/>
   </p:sldMasterIdLst>
   <p:notesMasterIdLst>
-    <p:notesMasterId r:id="rId9"/>
+    <p:notesMasterId r:id="rId11"/>
   </p:notesMasterIdLst>
   <p:sldIdLst>
     <p:sldId id="256" r:id="rId2"/>
     <p:sldId id="257" r:id="rId3"/>
     <p:sldId id="258" r:id="rId4"/>
     <p:sldId id="259" r:id="rId5"/>
-    <p:sldId id="260" r:id="rId6"/>
-    <p:sldId id="261" r:id="rId7"/>
-    <p:sldId id="262" r:id="rId8"/>
+    <p:sldId id="264" r:id="rId6"/>
+    <p:sldId id="260" r:id="rId7"/>
+    <p:sldId id="261" r:id="rId8"/>
+    <p:sldId id="263" r:id="rId9"/>
+    <p:sldId id="262" r:id="rId10"/>
   </p:sldIdLst>
   <p:sldSz cx="12192000" cy="6858000"/>
   <p:notesSz cx="6858000" cy="9144000"/>
@@ -113,6 +115,11 @@
       </a:defRPr>
     </a:lvl9pPr>
   </p:defaultTextStyle>
+  <p:extLst>
+    <p:ext uri="{EFAFB233-063F-42B5-8137-9DF3F51BA10A}">
+      <p15:sldGuideLst xmlns:p15="http://schemas.microsoft.com/office/powerpoint/2012/main"/>
+    </p:ext>
+  </p:extLst>
 </p:presentation>
 </file>
 
@@ -198,7 +205,7 @@
           <a:p>
             <a:fld id="{A8792106-9AAD-4615-BFBC-7B114C7E59CC}" type="datetimeFigureOut">
               <a:rPr lang="en-US" smtClean="0"/>
-              <a:t>12/12/2013</a:t>
+              <a:t>12/16/2013</a:t>
             </a:fld>
             <a:endParaRPr lang="en-US"/>
           </a:p>
@@ -511,6 +518,226 @@
           <a:lstStyle/>
           <a:p>
             <a:r>
+              <a:rPr lang="en-US" dirty="0" smtClean="0"/>
+              <a:t>Pros</a:t>
+            </a:r>
+            <a:r>
+              <a:rPr lang="en-US" baseline="0" dirty="0" smtClean="0"/>
+              <a:t> and cons of different deployment models on mobile platforms</a:t>
+            </a:r>
+          </a:p>
+          <a:p>
+            <a:r>
+              <a:rPr lang="en-US" baseline="0" dirty="0" smtClean="0"/>
+              <a:t>Rundown of web, hybrid, native</a:t>
+            </a:r>
+          </a:p>
+          <a:p>
+            <a:r>
+              <a:rPr lang="en-US" baseline="0" dirty="0" smtClean="0"/>
+              <a:t>Mission: leave with ability to decide which method best suits problem</a:t>
+            </a:r>
+          </a:p>
+        </p:txBody>
+      </p:sp>
+      <p:sp>
+        <p:nvSpPr>
+          <p:cNvPr id="4" name="Slide Number Placeholder 3"/>
+          <p:cNvSpPr>
+            <a:spLocks noGrp="1"/>
+          </p:cNvSpPr>
+          <p:nvPr>
+            <p:ph type="sldNum" sz="quarter" idx="10"/>
+          </p:nvPr>
+        </p:nvSpPr>
+        <p:spPr/>
+        <p:txBody>
+          <a:bodyPr/>
+          <a:lstStyle/>
+          <a:p>
+            <a:fld id="{A35EA2B9-045E-4906-960C-74AE8BF9BE50}" type="slidenum">
+              <a:rPr lang="en-US" smtClean="0"/>
+              <a:t>1</a:t>
+            </a:fld>
+            <a:endParaRPr lang="en-US"/>
+          </a:p>
+        </p:txBody>
+      </p:sp>
+    </p:spTree>
+    <p:extLst>
+      <p:ext uri="{BB962C8B-B14F-4D97-AF65-F5344CB8AC3E}">
+        <p14:creationId xmlns:p14="http://schemas.microsoft.com/office/powerpoint/2010/main" val="985324002"/>
+      </p:ext>
+    </p:extLst>
+  </p:cSld>
+  <p:clrMapOvr>
+    <a:masterClrMapping/>
+  </p:clrMapOvr>
+</p:notes>
+</file>
+
+<file path=ppt/notesSlides/notesSlide2.xml><?xml version="1.0" encoding="utf-8"?>
+<p:notes xmlns:a="http://schemas.openxmlformats.org/drawingml/2006/main" xmlns:r="http://schemas.openxmlformats.org/officeDocument/2006/relationships" xmlns:p="http://schemas.openxmlformats.org/presentationml/2006/main">
+  <p:cSld>
+    <p:spTree>
+      <p:nvGrpSpPr>
+        <p:cNvPr id="1" name=""/>
+        <p:cNvGrpSpPr/>
+        <p:nvPr/>
+      </p:nvGrpSpPr>
+      <p:grpSpPr>
+        <a:xfrm>
+          <a:off x="0" y="0"/>
+          <a:ext cx="0" cy="0"/>
+          <a:chOff x="0" y="0"/>
+          <a:chExt cx="0" cy="0"/>
+        </a:xfrm>
+      </p:grpSpPr>
+      <p:sp>
+        <p:nvSpPr>
+          <p:cNvPr id="2" name="Slide Image Placeholder 1"/>
+          <p:cNvSpPr>
+            <a:spLocks noGrp="1" noRot="1" noChangeAspect="1"/>
+          </p:cNvSpPr>
+          <p:nvPr>
+            <p:ph type="sldImg"/>
+          </p:nvPr>
+        </p:nvSpPr>
+        <p:spPr/>
+      </p:sp>
+      <p:sp>
+        <p:nvSpPr>
+          <p:cNvPr id="3" name="Notes Placeholder 2"/>
+          <p:cNvSpPr>
+            <a:spLocks noGrp="1"/>
+          </p:cNvSpPr>
+          <p:nvPr>
+            <p:ph type="body" idx="1"/>
+          </p:nvPr>
+        </p:nvSpPr>
+        <p:spPr/>
+        <p:txBody>
+          <a:bodyPr/>
+          <a:lstStyle/>
+          <a:p>
+            <a:r>
+              <a:rPr lang="en-US" dirty="0" smtClean="0"/>
+              <a:t>Different</a:t>
+            </a:r>
+            <a:r>
+              <a:rPr lang="en-US" baseline="0" dirty="0" smtClean="0"/>
+              <a:t> approaches obviously have different advantages and disadvantages</a:t>
+            </a:r>
+          </a:p>
+          <a:p>
+            <a:r>
+              <a:rPr lang="en-US" dirty="0" smtClean="0"/>
+              <a:t>Features – hardware junk</a:t>
+            </a:r>
+          </a:p>
+          <a:p>
+            <a:r>
+              <a:rPr lang="en-US" dirty="0" smtClean="0"/>
+              <a:t>Development –</a:t>
+            </a:r>
+            <a:r>
+              <a:rPr lang="en-US" baseline="0" dirty="0" smtClean="0"/>
+              <a:t> IDE, deployment, debugging</a:t>
+            </a:r>
+          </a:p>
+          <a:p>
+            <a:r>
+              <a:rPr lang="en-US" dirty="0" smtClean="0"/>
+              <a:t>Design –</a:t>
+            </a:r>
+            <a:r>
+              <a:rPr lang="en-US" baseline="0" dirty="0" smtClean="0"/>
+              <a:t> look and feel, design process, framework bonuses</a:t>
+            </a:r>
+          </a:p>
+        </p:txBody>
+      </p:sp>
+      <p:sp>
+        <p:nvSpPr>
+          <p:cNvPr id="4" name="Slide Number Placeholder 3"/>
+          <p:cNvSpPr>
+            <a:spLocks noGrp="1"/>
+          </p:cNvSpPr>
+          <p:nvPr>
+            <p:ph type="sldNum" sz="quarter" idx="10"/>
+          </p:nvPr>
+        </p:nvSpPr>
+        <p:spPr/>
+        <p:txBody>
+          <a:bodyPr/>
+          <a:lstStyle/>
+          <a:p>
+            <a:fld id="{A35EA2B9-045E-4906-960C-74AE8BF9BE50}" type="slidenum">
+              <a:rPr lang="en-US" smtClean="0"/>
+              <a:t>2</a:t>
+            </a:fld>
+            <a:endParaRPr lang="en-US"/>
+          </a:p>
+        </p:txBody>
+      </p:sp>
+    </p:spTree>
+    <p:extLst>
+      <p:ext uri="{BB962C8B-B14F-4D97-AF65-F5344CB8AC3E}">
+        <p14:creationId xmlns:p14="http://schemas.microsoft.com/office/powerpoint/2010/main" val="3435212724"/>
+      </p:ext>
+    </p:extLst>
+  </p:cSld>
+  <p:clrMapOvr>
+    <a:masterClrMapping/>
+  </p:clrMapOvr>
+</p:notes>
+</file>
+
+<file path=ppt/notesSlides/notesSlide3.xml><?xml version="1.0" encoding="utf-8"?>
+<p:notes xmlns:a="http://schemas.openxmlformats.org/drawingml/2006/main" xmlns:r="http://schemas.openxmlformats.org/officeDocument/2006/relationships" xmlns:p="http://schemas.openxmlformats.org/presentationml/2006/main">
+  <p:cSld>
+    <p:spTree>
+      <p:nvGrpSpPr>
+        <p:cNvPr id="1" name=""/>
+        <p:cNvGrpSpPr/>
+        <p:nvPr/>
+      </p:nvGrpSpPr>
+      <p:grpSpPr>
+        <a:xfrm>
+          <a:off x="0" y="0"/>
+          <a:ext cx="0" cy="0"/>
+          <a:chOff x="0" y="0"/>
+          <a:chExt cx="0" cy="0"/>
+        </a:xfrm>
+      </p:grpSpPr>
+      <p:sp>
+        <p:nvSpPr>
+          <p:cNvPr id="2" name="Slide Image Placeholder 1"/>
+          <p:cNvSpPr>
+            <a:spLocks noGrp="1" noRot="1" noChangeAspect="1"/>
+          </p:cNvSpPr>
+          <p:nvPr>
+            <p:ph type="sldImg"/>
+          </p:nvPr>
+        </p:nvSpPr>
+        <p:spPr/>
+      </p:sp>
+      <p:sp>
+        <p:nvSpPr>
+          <p:cNvPr id="3" name="Notes Placeholder 2"/>
+          <p:cNvSpPr>
+            <a:spLocks noGrp="1"/>
+          </p:cNvSpPr>
+          <p:nvPr>
+            <p:ph type="body" idx="1"/>
+          </p:nvPr>
+        </p:nvSpPr>
+        <p:spPr/>
+        <p:txBody>
+          <a:bodyPr/>
+          <a:lstStyle/>
+          <a:p>
+            <a:r>
               <a:rPr lang="en-US" dirty="0" err="1" smtClean="0"/>
               <a:t>PhoneGap</a:t>
             </a:r>
@@ -569,6 +796,233 @@
     <p:extLst>
       <p:ext uri="{BB962C8B-B14F-4D97-AF65-F5344CB8AC3E}">
         <p14:creationId xmlns:p14="http://schemas.microsoft.com/office/powerpoint/2010/main" val="3111015178"/>
+      </p:ext>
+    </p:extLst>
+  </p:cSld>
+  <p:clrMapOvr>
+    <a:masterClrMapping/>
+  </p:clrMapOvr>
+</p:notes>
+</file>
+
+<file path=ppt/notesSlides/notesSlide4.xml><?xml version="1.0" encoding="utf-8"?>
+<p:notes xmlns:a="http://schemas.openxmlformats.org/drawingml/2006/main" xmlns:r="http://schemas.openxmlformats.org/officeDocument/2006/relationships" xmlns:p="http://schemas.openxmlformats.org/presentationml/2006/main">
+  <p:cSld>
+    <p:spTree>
+      <p:nvGrpSpPr>
+        <p:cNvPr id="1" name=""/>
+        <p:cNvGrpSpPr/>
+        <p:nvPr/>
+      </p:nvGrpSpPr>
+      <p:grpSpPr>
+        <a:xfrm>
+          <a:off x="0" y="0"/>
+          <a:ext cx="0" cy="0"/>
+          <a:chOff x="0" y="0"/>
+          <a:chExt cx="0" cy="0"/>
+        </a:xfrm>
+      </p:grpSpPr>
+      <p:sp>
+        <p:nvSpPr>
+          <p:cNvPr id="2" name="Slide Image Placeholder 1"/>
+          <p:cNvSpPr>
+            <a:spLocks noGrp="1" noRot="1" noChangeAspect="1"/>
+          </p:cNvSpPr>
+          <p:nvPr>
+            <p:ph type="sldImg"/>
+          </p:nvPr>
+        </p:nvSpPr>
+        <p:spPr/>
+      </p:sp>
+      <p:sp>
+        <p:nvSpPr>
+          <p:cNvPr id="3" name="Notes Placeholder 2"/>
+          <p:cNvSpPr>
+            <a:spLocks noGrp="1"/>
+          </p:cNvSpPr>
+          <p:nvPr>
+            <p:ph type="body" idx="1"/>
+          </p:nvPr>
+        </p:nvSpPr>
+        <p:spPr/>
+        <p:txBody>
+          <a:bodyPr/>
+          <a:lstStyle/>
+          <a:p>
+            <a:r>
+              <a:rPr lang="en-US" dirty="0" smtClean="0"/>
+              <a:t>Show examples: photo/media,</a:t>
+            </a:r>
+            <a:r>
+              <a:rPr lang="en-US" baseline="0" dirty="0" smtClean="0"/>
+              <a:t> motion, </a:t>
+            </a:r>
+            <a:r>
+              <a:rPr lang="en-US" dirty="0" smtClean="0"/>
+              <a:t>forecast.io</a:t>
+            </a:r>
+          </a:p>
+          <a:p>
+            <a:r>
+              <a:rPr lang="en-US" dirty="0" smtClean="0"/>
+              <a:t>Show</a:t>
+            </a:r>
+            <a:r>
+              <a:rPr lang="en-US" baseline="0" dirty="0" smtClean="0"/>
+              <a:t> mobilehtml5.org to demonstrate differing capabilities</a:t>
+            </a:r>
+          </a:p>
+          <a:p>
+            <a:endParaRPr lang="en-US" baseline="0" dirty="0" smtClean="0"/>
+          </a:p>
+          <a:p>
+            <a:r>
+              <a:rPr lang="en-US" dirty="0" smtClean="0"/>
+              <a:t>Use only hardware accelerated CSS stuff</a:t>
+            </a:r>
+          </a:p>
+          <a:p>
+            <a:endParaRPr lang="en-US" dirty="0"/>
+          </a:p>
+        </p:txBody>
+      </p:sp>
+      <p:sp>
+        <p:nvSpPr>
+          <p:cNvPr id="4" name="Slide Number Placeholder 3"/>
+          <p:cNvSpPr>
+            <a:spLocks noGrp="1"/>
+          </p:cNvSpPr>
+          <p:nvPr>
+            <p:ph type="sldNum" sz="quarter" idx="10"/>
+          </p:nvPr>
+        </p:nvSpPr>
+        <p:spPr/>
+        <p:txBody>
+          <a:bodyPr/>
+          <a:lstStyle/>
+          <a:p>
+            <a:fld id="{A35EA2B9-045E-4906-960C-74AE8BF9BE50}" type="slidenum">
+              <a:rPr lang="en-US" smtClean="0"/>
+              <a:t>4</a:t>
+            </a:fld>
+            <a:endParaRPr lang="en-US"/>
+          </a:p>
+        </p:txBody>
+      </p:sp>
+    </p:spTree>
+    <p:extLst>
+      <p:ext uri="{BB962C8B-B14F-4D97-AF65-F5344CB8AC3E}">
+        <p14:creationId xmlns:p14="http://schemas.microsoft.com/office/powerpoint/2010/main" val="2209790957"/>
+      </p:ext>
+    </p:extLst>
+  </p:cSld>
+  <p:clrMapOvr>
+    <a:masterClrMapping/>
+  </p:clrMapOvr>
+</p:notes>
+</file>
+
+<file path=ppt/notesSlides/notesSlide5.xml><?xml version="1.0" encoding="utf-8"?>
+<p:notes xmlns:a="http://schemas.openxmlformats.org/drawingml/2006/main" xmlns:r="http://schemas.openxmlformats.org/officeDocument/2006/relationships" xmlns:p="http://schemas.openxmlformats.org/presentationml/2006/main">
+  <p:cSld>
+    <p:spTree>
+      <p:nvGrpSpPr>
+        <p:cNvPr id="1" name=""/>
+        <p:cNvGrpSpPr/>
+        <p:nvPr/>
+      </p:nvGrpSpPr>
+      <p:grpSpPr>
+        <a:xfrm>
+          <a:off x="0" y="0"/>
+          <a:ext cx="0" cy="0"/>
+          <a:chOff x="0" y="0"/>
+          <a:chExt cx="0" cy="0"/>
+        </a:xfrm>
+      </p:grpSpPr>
+      <p:sp>
+        <p:nvSpPr>
+          <p:cNvPr id="2" name="Slide Image Placeholder 1"/>
+          <p:cNvSpPr>
+            <a:spLocks noGrp="1" noRot="1" noChangeAspect="1"/>
+          </p:cNvSpPr>
+          <p:nvPr>
+            <p:ph type="sldImg"/>
+          </p:nvPr>
+        </p:nvSpPr>
+        <p:spPr/>
+      </p:sp>
+      <p:sp>
+        <p:nvSpPr>
+          <p:cNvPr id="3" name="Notes Placeholder 2"/>
+          <p:cNvSpPr>
+            <a:spLocks noGrp="1"/>
+          </p:cNvSpPr>
+          <p:nvPr>
+            <p:ph type="body" idx="1"/>
+          </p:nvPr>
+        </p:nvSpPr>
+        <p:spPr/>
+        <p:txBody>
+          <a:bodyPr/>
+          <a:lstStyle/>
+          <a:p>
+            <a:r>
+              <a:rPr lang="en-US" dirty="0" smtClean="0"/>
+              <a:t>Deployment</a:t>
+            </a:r>
+            <a:r>
+              <a:rPr lang="en-US" baseline="0" dirty="0" smtClean="0"/>
+              <a:t> pros and cons</a:t>
+            </a:r>
+          </a:p>
+          <a:p>
+            <a:endParaRPr lang="en-US" dirty="0" smtClean="0"/>
+          </a:p>
+          <a:p>
+            <a:r>
+              <a:rPr lang="en-US" smtClean="0"/>
+              <a:t>Development –</a:t>
+            </a:r>
+            <a:r>
+              <a:rPr lang="en-US" baseline="0" smtClean="0"/>
+              <a:t> IDE, deployment, debugging</a:t>
+            </a:r>
+          </a:p>
+          <a:p>
+            <a:endParaRPr lang="en-US" baseline="0" dirty="0" smtClean="0"/>
+          </a:p>
+          <a:p>
+            <a:endParaRPr lang="en-US" dirty="0"/>
+          </a:p>
+        </p:txBody>
+      </p:sp>
+      <p:sp>
+        <p:nvSpPr>
+          <p:cNvPr id="4" name="Slide Number Placeholder 3"/>
+          <p:cNvSpPr>
+            <a:spLocks noGrp="1"/>
+          </p:cNvSpPr>
+          <p:nvPr>
+            <p:ph type="sldNum" sz="quarter" idx="10"/>
+          </p:nvPr>
+        </p:nvSpPr>
+        <p:spPr/>
+        <p:txBody>
+          <a:bodyPr/>
+          <a:lstStyle/>
+          <a:p>
+            <a:fld id="{A35EA2B9-045E-4906-960C-74AE8BF9BE50}" type="slidenum">
+              <a:rPr lang="en-US" smtClean="0"/>
+              <a:t>6</a:t>
+            </a:fld>
+            <a:endParaRPr lang="en-US"/>
+          </a:p>
+        </p:txBody>
+      </p:sp>
+    </p:spTree>
+    <p:extLst>
+      <p:ext uri="{BB962C8B-B14F-4D97-AF65-F5344CB8AC3E}">
+        <p14:creationId xmlns:p14="http://schemas.microsoft.com/office/powerpoint/2010/main" val="3686631022"/>
       </p:ext>
     </p:extLst>
   </p:cSld>
@@ -774,7 +1228,7 @@
           <a:p>
             <a:fld id="{4AAD347D-5ACD-4C99-B74B-A9C85AD731AF}" type="datetimeFigureOut">
               <a:rPr lang="en-US" smtClean="0"/>
-              <a:t>12/12/2013</a:t>
+              <a:t>12/16/2013</a:t>
             </a:fld>
             <a:endParaRPr lang="en-US" dirty="0"/>
           </a:p>
@@ -995,7 +1449,7 @@
           <a:p>
             <a:fld id="{4509A250-FF31-4206-8172-F9D3106AACB1}" type="datetimeFigureOut">
               <a:rPr lang="en-US" smtClean="0"/>
-              <a:t>12/12/2013</a:t>
+              <a:t>12/16/2013</a:t>
             </a:fld>
             <a:endParaRPr lang="en-US" dirty="0"/>
           </a:p>
@@ -1175,7 +1629,7 @@
           <a:p>
             <a:fld id="{4509A250-FF31-4206-8172-F9D3106AACB1}" type="datetimeFigureOut">
               <a:rPr lang="en-US" smtClean="0"/>
-              <a:t>12/12/2013</a:t>
+              <a:t>12/16/2013</a:t>
             </a:fld>
             <a:endParaRPr lang="en-US" dirty="0"/>
           </a:p>
@@ -1345,7 +1799,7 @@
           <a:p>
             <a:fld id="{4509A250-FF31-4206-8172-F9D3106AACB1}" type="datetimeFigureOut">
               <a:rPr lang="en-US" smtClean="0"/>
-              <a:t>12/12/2013</a:t>
+              <a:t>12/16/2013</a:t>
             </a:fld>
             <a:endParaRPr lang="en-US" dirty="0"/>
           </a:p>
@@ -1596,7 +2050,7 @@
           <a:p>
             <a:fld id="{9796027F-7875-4030-9381-8BD8C4F21935}" type="datetimeFigureOut">
               <a:rPr lang="en-US" smtClean="0"/>
-              <a:t>12/12/2013</a:t>
+              <a:t>12/16/2013</a:t>
             </a:fld>
             <a:endParaRPr lang="en-US" dirty="0"/>
           </a:p>
@@ -1919,7 +2373,7 @@
           <a:p>
             <a:fld id="{9796027F-7875-4030-9381-8BD8C4F21935}" type="datetimeFigureOut">
               <a:rPr lang="en-US" smtClean="0"/>
-              <a:t>12/12/2013</a:t>
+              <a:t>12/16/2013</a:t>
             </a:fld>
             <a:endParaRPr lang="en-US" dirty="0"/>
           </a:p>
@@ -2343,7 +2797,7 @@
           <a:p>
             <a:fld id="{9796027F-7875-4030-9381-8BD8C4F21935}" type="datetimeFigureOut">
               <a:rPr lang="en-US" smtClean="0"/>
-              <a:t>12/12/2013</a:t>
+              <a:t>12/16/2013</a:t>
             </a:fld>
             <a:endParaRPr lang="en-US" dirty="0"/>
           </a:p>
@@ -2461,7 +2915,7 @@
           <a:p>
             <a:fld id="{4509A250-FF31-4206-8172-F9D3106AACB1}" type="datetimeFigureOut">
               <a:rPr lang="en-US" smtClean="0"/>
-              <a:t>12/12/2013</a:t>
+              <a:t>12/16/2013</a:t>
             </a:fld>
             <a:endParaRPr lang="en-US" dirty="0"/>
           </a:p>
@@ -2556,7 +3010,7 @@
           <a:p>
             <a:fld id="{4509A250-FF31-4206-8172-F9D3106AACB1}" type="datetimeFigureOut">
               <a:rPr lang="en-US" smtClean="0"/>
-              <a:t>12/12/2013</a:t>
+              <a:t>12/16/2013</a:t>
             </a:fld>
             <a:endParaRPr lang="en-US" dirty="0"/>
           </a:p>
@@ -2846,7 +3300,7 @@
           <a:p>
             <a:fld id="{4509A250-FF31-4206-8172-F9D3106AACB1}" type="datetimeFigureOut">
               <a:rPr lang="en-US" smtClean="0"/>
-              <a:t>12/12/2013</a:t>
+              <a:t>12/16/2013</a:t>
             </a:fld>
             <a:endParaRPr lang="en-US" dirty="0"/>
           </a:p>
@@ -3118,7 +3572,7 @@
           <a:p>
             <a:fld id="{4509A250-FF31-4206-8172-F9D3106AACB1}" type="datetimeFigureOut">
               <a:rPr lang="en-US" smtClean="0"/>
-              <a:t>12/12/2013</a:t>
+              <a:t>12/16/2013</a:t>
             </a:fld>
             <a:endParaRPr lang="en-US" dirty="0"/>
           </a:p>
@@ -3372,7 +3826,7 @@
           <a:p>
             <a:fld id="{4AAD347D-5ACD-4C99-B74B-A9C85AD731AF}" type="datetimeFigureOut">
               <a:rPr lang="en-US" smtClean="0"/>
-              <a:t>12/12/2013</a:t>
+              <a:t>12/16/2013</a:t>
             </a:fld>
             <a:endParaRPr lang="en-US" dirty="0"/>
           </a:p>
@@ -4142,14 +4596,38 @@
         </p:nvSpPr>
         <p:spPr/>
         <p:txBody>
-          <a:bodyPr/>
-          <a:lstStyle/>
-          <a:p>
-            <a:r>
-              <a:rPr lang="en-US" dirty="0" smtClean="0"/>
-              <a:t>HTML5</a:t>
-            </a:r>
-            <a:endParaRPr lang="en-US" dirty="0"/>
+          <a:bodyPr anchor="ctr" anchorCtr="0"/>
+          <a:lstStyle/>
+          <a:p>
+            <a:r>
+              <a:rPr lang="en-US" dirty="0" smtClean="0">
+                <a:latin typeface="+mn-lt"/>
+              </a:rPr>
+              <a:t>HTML</a:t>
+            </a:r>
+            <a:r>
+              <a:rPr lang="en-US" dirty="0" smtClean="0">
+                <a:effectLst>
+                  <a:glow>
+                    <a:schemeClr val="accent1">
+                      <a:alpha val="40000"/>
+                    </a:schemeClr>
+                  </a:glow>
+                </a:effectLst>
+                <a:latin typeface="+mn-lt"/>
+              </a:rPr>
+              <a:t>5</a:t>
+            </a:r>
+            <a:endParaRPr lang="en-US" dirty="0">
+              <a:effectLst>
+                <a:glow>
+                  <a:schemeClr val="accent1">
+                    <a:alpha val="40000"/>
+                  </a:schemeClr>
+                </a:glow>
+              </a:effectLst>
+              <a:latin typeface="+mn-lt"/>
+            </a:endParaRPr>
           </a:p>
         </p:txBody>
       </p:sp>
@@ -4269,6 +4747,100 @@
           <a:p>
             <a:r>
               <a:rPr lang="en-US" dirty="0" smtClean="0"/>
+              <a:t>Hybrid Features</a:t>
+            </a:r>
+            <a:endParaRPr lang="en-US" dirty="0"/>
+          </a:p>
+        </p:txBody>
+      </p:sp>
+      <p:sp>
+        <p:nvSpPr>
+          <p:cNvPr id="3" name="Content Placeholder 2"/>
+          <p:cNvSpPr>
+            <a:spLocks noGrp="1"/>
+          </p:cNvSpPr>
+          <p:nvPr>
+            <p:ph idx="1"/>
+          </p:nvPr>
+        </p:nvSpPr>
+        <p:spPr/>
+        <p:txBody>
+          <a:bodyPr/>
+          <a:lstStyle/>
+          <a:p>
+            <a:r>
+              <a:rPr lang="en-US" dirty="0" smtClean="0"/>
+              <a:t>Better performance than Web worse than Native</a:t>
+            </a:r>
+          </a:p>
+          <a:p>
+            <a:r>
+              <a:rPr lang="en-US" dirty="0" smtClean="0"/>
+              <a:t>Many available plugins already</a:t>
+            </a:r>
+          </a:p>
+          <a:p>
+            <a:r>
+              <a:rPr lang="en-US" dirty="0" smtClean="0"/>
+              <a:t>Expanded functionality requires development in each platform</a:t>
+            </a:r>
+          </a:p>
+          <a:p>
+            <a:r>
+              <a:rPr lang="en-US" dirty="0" smtClean="0"/>
+              <a:t>It’s in the stores</a:t>
+            </a:r>
+            <a:endParaRPr lang="en-US" dirty="0"/>
+          </a:p>
+        </p:txBody>
+      </p:sp>
+    </p:spTree>
+    <p:extLst>
+      <p:ext uri="{BB962C8B-B14F-4D97-AF65-F5344CB8AC3E}">
+        <p14:creationId xmlns:p14="http://schemas.microsoft.com/office/powerpoint/2010/main" val="3460907520"/>
+      </p:ext>
+    </p:extLst>
+  </p:cSld>
+  <p:clrMapOvr>
+    <a:masterClrMapping/>
+  </p:clrMapOvr>
+</p:sld>
+</file>
+
+<file path=ppt/slides/slide6.xml><?xml version="1.0" encoding="utf-8"?>
+<p:sld xmlns:a="http://schemas.openxmlformats.org/drawingml/2006/main" xmlns:r="http://schemas.openxmlformats.org/officeDocument/2006/relationships" xmlns:p="http://schemas.openxmlformats.org/presentationml/2006/main">
+  <p:cSld>
+    <p:spTree>
+      <p:nvGrpSpPr>
+        <p:cNvPr id="1" name=""/>
+        <p:cNvGrpSpPr/>
+        <p:nvPr/>
+      </p:nvGrpSpPr>
+      <p:grpSpPr>
+        <a:xfrm>
+          <a:off x="0" y="0"/>
+          <a:ext cx="0" cy="0"/>
+          <a:chOff x="0" y="0"/>
+          <a:chExt cx="0" cy="0"/>
+        </a:xfrm>
+      </p:grpSpPr>
+      <p:sp>
+        <p:nvSpPr>
+          <p:cNvPr id="2" name="Title 1"/>
+          <p:cNvSpPr>
+            <a:spLocks noGrp="1"/>
+          </p:cNvSpPr>
+          <p:nvPr>
+            <p:ph type="title"/>
+          </p:nvPr>
+        </p:nvSpPr>
+        <p:spPr/>
+        <p:txBody>
+          <a:bodyPr/>
+          <a:lstStyle/>
+          <a:p>
+            <a:r>
+              <a:rPr lang="en-US" dirty="0" smtClean="0"/>
               <a:t>Development Process</a:t>
             </a:r>
             <a:endParaRPr lang="en-US" dirty="0"/>
@@ -4321,7 +4893,7 @@
 </p:sld>
 </file>
 
-<file path=ppt/slides/slide6.xml><?xml version="1.0" encoding="utf-8"?>
+<file path=ppt/slides/slide7.xml><?xml version="1.0" encoding="utf-8"?>
 <p:sld xmlns:a="http://schemas.openxmlformats.org/drawingml/2006/main" xmlns:r="http://schemas.openxmlformats.org/officeDocument/2006/relationships" xmlns:p="http://schemas.openxmlformats.org/presentationml/2006/main">
   <p:cSld>
     <p:spTree>
@@ -4385,13 +4957,17 @@
           <a:p>
             <a:r>
               <a:rPr lang="en-US" dirty="0" smtClean="0"/>
-              <a:t>User experience will likely not be as nice</a:t>
+              <a:t>User experience will be different</a:t>
             </a:r>
           </a:p>
           <a:p>
             <a:r>
               <a:rPr lang="en-US" dirty="0" smtClean="0"/>
-              <a:t>Native apps need to be worth downloading</a:t>
+              <a:t>Native </a:t>
+            </a:r>
+            <a:r>
+              <a:rPr lang="en-US" dirty="0" smtClean="0"/>
+              <a:t>apps need to be worth downloading</a:t>
             </a:r>
           </a:p>
           <a:p>
@@ -4428,7 +5004,126 @@
 </p:sld>
 </file>
 
-<file path=ppt/slides/slide7.xml><?xml version="1.0" encoding="utf-8"?>
+<file path=ppt/slides/slide8.xml><?xml version="1.0" encoding="utf-8"?>
+<p:sld xmlns:a="http://schemas.openxmlformats.org/drawingml/2006/main" xmlns:r="http://schemas.openxmlformats.org/officeDocument/2006/relationships" xmlns:p="http://schemas.openxmlformats.org/presentationml/2006/main">
+  <p:cSld>
+    <p:spTree>
+      <p:nvGrpSpPr>
+        <p:cNvPr id="1" name=""/>
+        <p:cNvGrpSpPr/>
+        <p:nvPr/>
+      </p:nvGrpSpPr>
+      <p:grpSpPr>
+        <a:xfrm>
+          <a:off x="0" y="0"/>
+          <a:ext cx="0" cy="0"/>
+          <a:chOff x="0" y="0"/>
+          <a:chExt cx="0" cy="0"/>
+        </a:xfrm>
+      </p:grpSpPr>
+      <p:sp>
+        <p:nvSpPr>
+          <p:cNvPr id="2" name="Title 1"/>
+          <p:cNvSpPr>
+            <a:spLocks noGrp="1"/>
+          </p:cNvSpPr>
+          <p:nvPr>
+            <p:ph type="title"/>
+          </p:nvPr>
+        </p:nvSpPr>
+        <p:spPr/>
+        <p:txBody>
+          <a:bodyPr/>
+          <a:lstStyle/>
+          <a:p>
+            <a:r>
+              <a:rPr lang="en-US" dirty="0" smtClean="0"/>
+              <a:t>Technologies</a:t>
+            </a:r>
+            <a:endParaRPr lang="en-US" dirty="0"/>
+          </a:p>
+        </p:txBody>
+      </p:sp>
+      <p:sp>
+        <p:nvSpPr>
+          <p:cNvPr id="3" name="Content Placeholder 2"/>
+          <p:cNvSpPr>
+            <a:spLocks noGrp="1"/>
+          </p:cNvSpPr>
+          <p:nvPr>
+            <p:ph idx="1"/>
+          </p:nvPr>
+        </p:nvSpPr>
+        <p:spPr/>
+        <p:txBody>
+          <a:bodyPr/>
+          <a:lstStyle/>
+          <a:p>
+            <a:r>
+              <a:rPr lang="en-US" dirty="0" smtClean="0"/>
+              <a:t>jQuery Mobile</a:t>
+            </a:r>
+          </a:p>
+          <a:p>
+            <a:r>
+              <a:rPr lang="en-US" dirty="0" err="1" smtClean="0"/>
+              <a:t>Sencha</a:t>
+            </a:r>
+            <a:r>
+              <a:rPr lang="en-US" dirty="0" smtClean="0"/>
+              <a:t> Touch</a:t>
+            </a:r>
+          </a:p>
+          <a:p>
+            <a:r>
+              <a:rPr lang="en-US" dirty="0" smtClean="0"/>
+              <a:t>GWT/</a:t>
+            </a:r>
+            <a:r>
+              <a:rPr lang="en-US" dirty="0" err="1" smtClean="0"/>
+              <a:t>mGWT</a:t>
+            </a:r>
+            <a:endParaRPr lang="en-US" dirty="0" smtClean="0"/>
+          </a:p>
+          <a:p>
+            <a:r>
+              <a:rPr lang="en-US" dirty="0" smtClean="0"/>
+              <a:t>Kendo UI</a:t>
+            </a:r>
+          </a:p>
+          <a:p>
+            <a:r>
+              <a:rPr lang="en-US" dirty="0" err="1"/>
+              <a:t>PhoneGap</a:t>
+            </a:r>
+            <a:endParaRPr lang="en-US" dirty="0"/>
+          </a:p>
+          <a:p>
+            <a:r>
+              <a:rPr lang="en-US" dirty="0" err="1"/>
+              <a:t>Appcelerator</a:t>
+            </a:r>
+            <a:endParaRPr lang="en-US" dirty="0"/>
+          </a:p>
+          <a:p>
+            <a:endParaRPr lang="en-US" dirty="0"/>
+          </a:p>
+        </p:txBody>
+      </p:sp>
+    </p:spTree>
+    <p:extLst>
+      <p:ext uri="{BB962C8B-B14F-4D97-AF65-F5344CB8AC3E}">
+        <p14:creationId xmlns:p14="http://schemas.microsoft.com/office/powerpoint/2010/main" val="2959836758"/>
+      </p:ext>
+    </p:extLst>
+  </p:cSld>
+  <p:clrMapOvr>
+    <a:masterClrMapping/>
+  </p:clrMapOvr>
+</p:sld>
+</file>
+
+<file path=ppt/slides/slide9.xml><?xml version="1.0" encoding="utf-8"?>
 <p:sld xmlns:a="http://schemas.openxmlformats.org/drawingml/2006/main" xmlns:r="http://schemas.openxmlformats.org/officeDocument/2006/relationships" xmlns:p="http://schemas.openxmlformats.org/presentationml/2006/main">
   <p:cSld>
     <p:spTree>

--- a/Mobile Development Strategies.pptx
+++ b/Mobile Development Strategies.pptx
@@ -5,18 +5,16 @@
     <p:sldMasterId id="2147483784" r:id="rId1"/>
   </p:sldMasterIdLst>
   <p:notesMasterIdLst>
-    <p:notesMasterId r:id="rId11"/>
+    <p:notesMasterId r:id="rId9"/>
   </p:notesMasterIdLst>
   <p:sldIdLst>
     <p:sldId id="256" r:id="rId2"/>
     <p:sldId id="257" r:id="rId3"/>
-    <p:sldId id="258" r:id="rId4"/>
-    <p:sldId id="259" r:id="rId5"/>
-    <p:sldId id="264" r:id="rId6"/>
-    <p:sldId id="260" r:id="rId7"/>
-    <p:sldId id="261" r:id="rId8"/>
-    <p:sldId id="263" r:id="rId9"/>
-    <p:sldId id="262" r:id="rId10"/>
+    <p:sldId id="265" r:id="rId4"/>
+    <p:sldId id="260" r:id="rId5"/>
+    <p:sldId id="261" r:id="rId6"/>
+    <p:sldId id="263" r:id="rId7"/>
+    <p:sldId id="262" r:id="rId8"/>
   </p:sldIdLst>
   <p:sldSz cx="12192000" cy="6858000"/>
   <p:notesSz cx="6858000" cy="9144000"/>
@@ -743,7 +741,7 @@
             </a:r>
             <a:r>
               <a:rPr lang="en-US" baseline="0" dirty="0" smtClean="0"/>
-              <a:t> built on standards, likely that many of </a:t>
+              <a:t> influenced by current HTML5, likely that many of </a:t>
             </a:r>
             <a:r>
               <a:rPr lang="en-US" baseline="0" dirty="0" err="1" smtClean="0"/>
@@ -755,16 +753,83 @@
             </a:r>
           </a:p>
           <a:p>
+            <a:endParaRPr lang="en-US" baseline="0" dirty="0" smtClean="0"/>
+          </a:p>
+          <a:p>
             <a:r>
               <a:rPr lang="en-US" baseline="0" dirty="0" smtClean="0"/>
               <a:t>Lots of plugins already available for Hybrid apps, but if you want to add your own you must build the plugin for each platform you plan to support.</a:t>
             </a:r>
           </a:p>
           <a:p>
+            <a:endParaRPr lang="en-US" baseline="0" dirty="0" smtClean="0"/>
+          </a:p>
+          <a:p>
             <a:r>
               <a:rPr lang="en-US" baseline="0" dirty="0" smtClean="0"/>
               <a:t>Native—whatever feature the phone has is available. </a:t>
             </a:r>
+            <a:endParaRPr lang="en-US" dirty="0" smtClean="0"/>
+          </a:p>
+          <a:p>
+            <a:endParaRPr lang="en-US" dirty="0" smtClean="0"/>
+          </a:p>
+          <a:p>
+            <a:r>
+              <a:rPr lang="en-US" dirty="0" smtClean="0"/>
+              <a:t>Show examples: photo/media,</a:t>
+            </a:r>
+            <a:r>
+              <a:rPr lang="en-US" baseline="0" dirty="0" smtClean="0"/>
+              <a:t> motion, </a:t>
+            </a:r>
+          </a:p>
+          <a:p>
+            <a:endParaRPr lang="en-US" baseline="0" dirty="0" smtClean="0"/>
+          </a:p>
+          <a:p>
+            <a:r>
+              <a:rPr lang="en-US" dirty="0" smtClean="0"/>
+              <a:t>Show</a:t>
+            </a:r>
+            <a:r>
+              <a:rPr lang="en-US" baseline="0" dirty="0" smtClean="0"/>
+              <a:t> mobilehtml5.org to demonstrate differing capabilities</a:t>
+            </a:r>
+          </a:p>
+          <a:p>
+            <a:pPr marL="0" marR="0" indent="0" algn="l" defTabSz="914400" rtl="0" eaLnBrk="1" fontAlgn="auto" latinLnBrk="0" hangingPunct="1">
+              <a:lnSpc>
+                <a:spcPct val="100000"/>
+              </a:lnSpc>
+              <a:spcBef>
+                <a:spcPts val="0"/>
+              </a:spcBef>
+              <a:spcAft>
+                <a:spcPts val="0"/>
+              </a:spcAft>
+              <a:buClrTx/>
+              <a:buSzTx/>
+              <a:buFontTx/>
+              <a:buNone/>
+              <a:tabLst/>
+              <a:defRPr/>
+            </a:pPr>
+            <a:r>
+              <a:rPr lang="en-US" baseline="0" dirty="0" smtClean="0"/>
+              <a:t>http://mobilehtml5.org</a:t>
+            </a:r>
+          </a:p>
+          <a:p>
+            <a:r>
+              <a:rPr lang="en-US" dirty="0" smtClean="0">
+                <a:hlinkClick r:id="rId3"/>
+              </a:rPr>
+              <a:t>http://phonegap.com/about/feature/</a:t>
+            </a:r>
+            <a:endParaRPr lang="en-US" baseline="0" dirty="0" smtClean="0"/>
+          </a:p>
+          <a:p>
             <a:endParaRPr lang="en-US" dirty="0"/>
           </a:p>
         </p:txBody>
@@ -795,7 +860,7 @@
     </p:spTree>
     <p:extLst>
       <p:ext uri="{BB962C8B-B14F-4D97-AF65-F5344CB8AC3E}">
-        <p14:creationId xmlns:p14="http://schemas.microsoft.com/office/powerpoint/2010/main" val="3111015178"/>
+        <p14:creationId xmlns:p14="http://schemas.microsoft.com/office/powerpoint/2010/main" val="3015257566"/>
       </p:ext>
     </p:extLst>
   </p:cSld>
@@ -851,35 +916,28 @@
           <a:p>
             <a:r>
               <a:rPr lang="en-US" dirty="0" smtClean="0"/>
-              <a:t>Show examples: photo/media,</a:t>
+              <a:t>Deployment</a:t>
             </a:r>
             <a:r>
               <a:rPr lang="en-US" baseline="0" dirty="0" smtClean="0"/>
-              <a:t> motion, </a:t>
-            </a:r>
-            <a:r>
-              <a:rPr lang="en-US" dirty="0" smtClean="0"/>
-              <a:t>forecast.io</a:t>
-            </a:r>
-          </a:p>
-          <a:p>
-            <a:r>
-              <a:rPr lang="en-US" dirty="0" smtClean="0"/>
-              <a:t>Show</a:t>
-            </a:r>
-            <a:r>
-              <a:rPr lang="en-US" baseline="0" dirty="0" smtClean="0"/>
-              <a:t> mobilehtml5.org to demonstrate differing capabilities</a:t>
+              <a:t> pros and cons</a:t>
+            </a:r>
+          </a:p>
+          <a:p>
+            <a:endParaRPr lang="en-US" dirty="0" smtClean="0"/>
+          </a:p>
+          <a:p>
+            <a:r>
+              <a:rPr lang="en-US" smtClean="0"/>
+              <a:t>Development –</a:t>
+            </a:r>
+            <a:r>
+              <a:rPr lang="en-US" baseline="0" smtClean="0"/>
+              <a:t> IDE, deployment, debugging</a:t>
             </a:r>
           </a:p>
           <a:p>
             <a:endParaRPr lang="en-US" baseline="0" dirty="0" smtClean="0"/>
-          </a:p>
-          <a:p>
-            <a:r>
-              <a:rPr lang="en-US" dirty="0" smtClean="0"/>
-              <a:t>Use only hardware accelerated CSS stuff</a:t>
-            </a:r>
           </a:p>
           <a:p>
             <a:endParaRPr lang="en-US" dirty="0"/>
@@ -912,7 +970,7 @@
     </p:spTree>
     <p:extLst>
       <p:ext uri="{BB962C8B-B14F-4D97-AF65-F5344CB8AC3E}">
-        <p14:creationId xmlns:p14="http://schemas.microsoft.com/office/powerpoint/2010/main" val="2209790957"/>
+        <p14:creationId xmlns:p14="http://schemas.microsoft.com/office/powerpoint/2010/main" val="3686631022"/>
       </p:ext>
     </p:extLst>
   </p:cSld>
@@ -966,30 +1024,101 @@
           <a:bodyPr/>
           <a:lstStyle/>
           <a:p>
+            <a:pPr marL="0" marR="0" indent="0" algn="l" defTabSz="914400" rtl="0" eaLnBrk="1" fontAlgn="auto" latinLnBrk="0" hangingPunct="1">
+              <a:lnSpc>
+                <a:spcPct val="100000"/>
+              </a:lnSpc>
+              <a:spcBef>
+                <a:spcPts val="0"/>
+              </a:spcBef>
+              <a:spcAft>
+                <a:spcPts val="0"/>
+              </a:spcAft>
+              <a:buClrTx/>
+              <a:buSzTx/>
+              <a:buFontTx/>
+              <a:buNone/>
+              <a:tabLst/>
+              <a:defRPr/>
+            </a:pPr>
             <a:r>
               <a:rPr lang="en-US" dirty="0" smtClean="0"/>
-              <a:t>Deployment</a:t>
+              <a:t>Don’t try to mimic</a:t>
             </a:r>
             <a:r>
               <a:rPr lang="en-US" baseline="0" dirty="0" smtClean="0"/>
-              <a:t> pros and cons</a:t>
-            </a:r>
-          </a:p>
-          <a:p>
+              <a:t> Native; strive for own App identity; </a:t>
+            </a:r>
             <a:endParaRPr lang="en-US" dirty="0" smtClean="0"/>
           </a:p>
           <a:p>
-            <a:r>
-              <a:rPr lang="en-US" smtClean="0"/>
-              <a:t>Development –</a:t>
-            </a:r>
-            <a:r>
-              <a:rPr lang="en-US" baseline="0" smtClean="0"/>
-              <a:t> IDE, deployment, debugging</a:t>
-            </a:r>
-          </a:p>
-          <a:p>
-            <a:endParaRPr lang="en-US" baseline="0" dirty="0" smtClean="0"/>
+            <a:pPr marL="0" marR="0" indent="0" algn="l" defTabSz="914400" rtl="0" eaLnBrk="1" fontAlgn="auto" latinLnBrk="0" hangingPunct="1">
+              <a:lnSpc>
+                <a:spcPct val="100000"/>
+              </a:lnSpc>
+              <a:spcBef>
+                <a:spcPts val="0"/>
+              </a:spcBef>
+              <a:spcAft>
+                <a:spcPts val="0"/>
+              </a:spcAft>
+              <a:buClrTx/>
+              <a:buSzTx/>
+              <a:buFontTx/>
+              <a:buNone/>
+              <a:tabLst/>
+              <a:defRPr/>
+            </a:pPr>
+            <a:endParaRPr lang="en-US" dirty="0" smtClean="0"/>
+          </a:p>
+          <a:p>
+            <a:pPr marL="0" marR="0" indent="0" algn="l" defTabSz="914400" rtl="0" eaLnBrk="1" fontAlgn="auto" latinLnBrk="0" hangingPunct="1">
+              <a:lnSpc>
+                <a:spcPct val="100000"/>
+              </a:lnSpc>
+              <a:spcBef>
+                <a:spcPts val="0"/>
+              </a:spcBef>
+              <a:spcAft>
+                <a:spcPts val="0"/>
+              </a:spcAft>
+              <a:buClrTx/>
+              <a:buSzTx/>
+              <a:buFontTx/>
+              <a:buNone/>
+              <a:tabLst/>
+              <a:defRPr/>
+            </a:pPr>
+            <a:r>
+              <a:rPr lang="en-US" dirty="0" smtClean="0"/>
+              <a:t>Use only hardware accelerated CSS stuff</a:t>
+            </a:r>
+          </a:p>
+          <a:p>
+            <a:endParaRPr lang="en-US" dirty="0" smtClean="0"/>
+          </a:p>
+          <a:p>
+            <a:pPr marL="0" marR="0" indent="0" algn="l" defTabSz="914400" rtl="0" eaLnBrk="1" fontAlgn="auto" latinLnBrk="0" hangingPunct="1">
+              <a:lnSpc>
+                <a:spcPct val="100000"/>
+              </a:lnSpc>
+              <a:spcBef>
+                <a:spcPts val="0"/>
+              </a:spcBef>
+              <a:spcAft>
+                <a:spcPts val="0"/>
+              </a:spcAft>
+              <a:buClrTx/>
+              <a:buSzTx/>
+              <a:buFontTx/>
+              <a:buNone/>
+              <a:tabLst/>
+              <a:defRPr/>
+            </a:pPr>
+            <a:r>
+              <a:rPr lang="en-US" dirty="0" smtClean="0"/>
+              <a:t>forecast.io</a:t>
+            </a:r>
           </a:p>
           <a:p>
             <a:endParaRPr lang="en-US" dirty="0"/>
@@ -1013,7 +1142,7 @@
           <a:p>
             <a:fld id="{A35EA2B9-045E-4906-960C-74AE8BF9BE50}" type="slidenum">
               <a:rPr lang="en-US" smtClean="0"/>
-              <a:t>6</a:t>
+              <a:t>5</a:t>
             </a:fld>
             <a:endParaRPr lang="en-US"/>
           </a:p>
@@ -1022,7 +1151,7 @@
     </p:spTree>
     <p:extLst>
       <p:ext uri="{BB962C8B-B14F-4D97-AF65-F5344CB8AC3E}">
-        <p14:creationId xmlns:p14="http://schemas.microsoft.com/office/powerpoint/2010/main" val="3686631022"/>
+        <p14:creationId xmlns:p14="http://schemas.microsoft.com/office/powerpoint/2010/main" val="674960386"/>
       </p:ext>
     </p:extLst>
   </p:cSld>
@@ -4411,7 +4540,11 @@
           <a:p>
             <a:r>
               <a:rPr lang="en-US" dirty="0" smtClean="0"/>
-              <a:t>Feature Availability</a:t>
+              <a:t>Feature </a:t>
+            </a:r>
+            <a:r>
+              <a:rPr lang="en-US" dirty="0" smtClean="0"/>
+              <a:t>Availability</a:t>
             </a:r>
           </a:p>
           <a:p>
@@ -4425,6 +4558,7 @@
               <a:rPr lang="en-US" dirty="0" smtClean="0"/>
               <a:t>Design Considerations</a:t>
             </a:r>
+            <a:endParaRPr lang="en-US" dirty="0" smtClean="0"/>
           </a:p>
         </p:txBody>
       </p:sp>
@@ -4482,88 +4616,525 @@
           <a:p>
             <a:r>
               <a:rPr lang="en-US" dirty="0" smtClean="0"/>
-              <a:t>Feature Availability</a:t>
-            </a:r>
-            <a:r>
-              <a:rPr lang="en-US" dirty="0"/>
-              <a:t>	</a:t>
-            </a:r>
-          </a:p>
-        </p:txBody>
-      </p:sp>
-      <p:sp>
-        <p:nvSpPr>
-          <p:cNvPr id="3" name="Content Placeholder 2"/>
-          <p:cNvSpPr>
-            <a:spLocks noGrp="1"/>
-          </p:cNvSpPr>
+              <a:t>Feature Availability	</a:t>
+            </a:r>
+            <a:endParaRPr lang="en-US" dirty="0"/>
+          </a:p>
+        </p:txBody>
+      </p:sp>
+      <p:graphicFrame>
+        <p:nvGraphicFramePr>
+          <p:cNvPr id="4" name="Content Placeholder 3"/>
+          <p:cNvGraphicFramePr>
+            <a:graphicFrameLocks noGrp="1"/>
+          </p:cNvGraphicFramePr>
           <p:nvPr>
             <p:ph idx="1"/>
-          </p:nvPr>
-        </p:nvSpPr>
-        <p:spPr/>
-        <p:txBody>
-          <a:bodyPr/>
-          <a:lstStyle/>
-          <a:p>
-            <a:r>
-              <a:rPr lang="en-US" dirty="0" smtClean="0"/>
-              <a:t>Web</a:t>
-            </a:r>
-          </a:p>
-          <a:p>
-            <a:pPr lvl="1"/>
-            <a:r>
-              <a:rPr lang="en-US" dirty="0" smtClean="0"/>
-              <a:t>Anything JavaScript and HTML5 can do (mostly)</a:t>
-            </a:r>
-          </a:p>
-          <a:p>
-            <a:r>
-              <a:rPr lang="en-US" dirty="0" smtClean="0"/>
-              <a:t>Hybrid</a:t>
-            </a:r>
-          </a:p>
-          <a:p>
-            <a:pPr lvl="1"/>
-            <a:r>
-              <a:rPr lang="en-US" dirty="0" smtClean="0"/>
-              <a:t>Web plus Plugins</a:t>
-            </a:r>
-          </a:p>
-          <a:p>
-            <a:r>
-              <a:rPr lang="en-US" dirty="0" smtClean="0"/>
-              <a:t>Native</a:t>
-            </a:r>
-          </a:p>
-          <a:p>
-            <a:pPr lvl="1"/>
-            <a:r>
-              <a:rPr lang="en-US" dirty="0" smtClean="0"/>
-              <a:t>Everything</a:t>
-            </a:r>
-            <a:endParaRPr lang="en-US" dirty="0"/>
-          </a:p>
-        </p:txBody>
-      </p:sp>
+            <p:extLst>
+              <p:ext uri="{D42A27DB-BD31-4B8C-83A1-F6EECF244321}">
+                <p14:modId xmlns:p14="http://schemas.microsoft.com/office/powerpoint/2010/main" val="2663352723"/>
+              </p:ext>
+            </p:extLst>
+          </p:nvPr>
+        </p:nvGraphicFramePr>
+        <p:xfrm>
+          <a:off x="1143000" y="1752598"/>
+          <a:ext cx="9872664" cy="4215064"/>
+        </p:xfrm>
+        <a:graphic>
+          <a:graphicData uri="http://schemas.openxmlformats.org/drawingml/2006/table">
+            <a:tbl>
+              <a:tblPr firstRow="1" bandRow="1">
+                <a:tableStyleId>{5C22544A-7EE6-4342-B048-85BDC9FD1C3A}</a:tableStyleId>
+              </a:tblPr>
+              <a:tblGrid>
+                <a:gridCol w="2931695"/>
+                <a:gridCol w="2004637"/>
+                <a:gridCol w="2468166"/>
+                <a:gridCol w="2468166"/>
+              </a:tblGrid>
+              <a:tr h="526883">
+                <a:tc>
+                  <a:txBody>
+                    <a:bodyPr/>
+                    <a:lstStyle/>
+                    <a:p>
+                      <a:r>
+                        <a:rPr lang="en-US" sz="2400" dirty="0" smtClean="0"/>
+                        <a:t>Feature</a:t>
+                      </a:r>
+                      <a:endParaRPr lang="en-US" sz="2400" dirty="0"/>
+                    </a:p>
+                  </a:txBody>
+                  <a:tcPr/>
+                </a:tc>
+                <a:tc>
+                  <a:txBody>
+                    <a:bodyPr/>
+                    <a:lstStyle/>
+                    <a:p>
+                      <a:r>
+                        <a:rPr lang="en-US" sz="2400" dirty="0" smtClean="0"/>
+                        <a:t>Web</a:t>
+                      </a:r>
+                      <a:endParaRPr lang="en-US" sz="2400" dirty="0"/>
+                    </a:p>
+                  </a:txBody>
+                  <a:tcPr/>
+                </a:tc>
+                <a:tc>
+                  <a:txBody>
+                    <a:bodyPr/>
+                    <a:lstStyle/>
+                    <a:p>
+                      <a:r>
+                        <a:rPr lang="en-US" sz="2400" dirty="0" smtClean="0"/>
+                        <a:t>Hybrid</a:t>
+                      </a:r>
+                      <a:endParaRPr lang="en-US" sz="2400" dirty="0"/>
+                    </a:p>
+                  </a:txBody>
+                  <a:tcPr/>
+                </a:tc>
+                <a:tc>
+                  <a:txBody>
+                    <a:bodyPr/>
+                    <a:lstStyle/>
+                    <a:p>
+                      <a:r>
+                        <a:rPr lang="en-US" sz="2400" dirty="0" smtClean="0"/>
+                        <a:t>Native</a:t>
+                      </a:r>
+                      <a:endParaRPr lang="en-US" sz="2400" dirty="0"/>
+                    </a:p>
+                  </a:txBody>
+                  <a:tcPr/>
+                </a:tc>
+              </a:tr>
+              <a:tr h="526883">
+                <a:tc>
+                  <a:txBody>
+                    <a:bodyPr/>
+                    <a:lstStyle/>
+                    <a:p>
+                      <a:r>
+                        <a:rPr lang="en-US" sz="2400" dirty="0" smtClean="0"/>
+                        <a:t>Camera/Media</a:t>
+                      </a:r>
+                      <a:endParaRPr lang="en-US" sz="2400" dirty="0"/>
+                    </a:p>
+                  </a:txBody>
+                  <a:tcPr/>
+                </a:tc>
+                <a:tc>
+                  <a:txBody>
+                    <a:bodyPr/>
+                    <a:lstStyle/>
+                    <a:p>
+                      <a:r>
+                        <a:rPr lang="en-US" sz="2400" dirty="0" smtClean="0"/>
+                        <a:t>Limited</a:t>
+                      </a:r>
+                      <a:endParaRPr lang="en-US" sz="2400" dirty="0"/>
+                    </a:p>
+                  </a:txBody>
+                  <a:tcPr/>
+                </a:tc>
+                <a:tc>
+                  <a:txBody>
+                    <a:bodyPr/>
+                    <a:lstStyle/>
+                    <a:p>
+                      <a:r>
+                        <a:rPr lang="en-US" sz="2400" dirty="0" smtClean="0"/>
+                        <a:t>Less</a:t>
+                      </a:r>
+                      <a:r>
+                        <a:rPr lang="en-US" sz="2400" baseline="0" dirty="0" smtClean="0"/>
+                        <a:t> Limited</a:t>
+                      </a:r>
+                      <a:endParaRPr lang="en-US" sz="2400" dirty="0"/>
+                    </a:p>
+                  </a:txBody>
+                  <a:tcPr/>
+                </a:tc>
+                <a:tc>
+                  <a:txBody>
+                    <a:bodyPr/>
+                    <a:lstStyle/>
+                    <a:p>
+                      <a:r>
+                        <a:rPr lang="en-US" sz="2400" dirty="0" smtClean="0"/>
+                        <a:t>Yes</a:t>
+                      </a:r>
+                      <a:endParaRPr lang="en-US" sz="2400" dirty="0"/>
+                    </a:p>
+                  </a:txBody>
+                  <a:tcPr/>
+                </a:tc>
+              </a:tr>
+              <a:tr h="526883">
+                <a:tc>
+                  <a:txBody>
+                    <a:bodyPr/>
+                    <a:lstStyle/>
+                    <a:p>
+                      <a:r>
+                        <a:rPr lang="en-US" sz="2400" dirty="0" err="1" smtClean="0"/>
+                        <a:t>Geolocation</a:t>
+                      </a:r>
+                      <a:endParaRPr lang="en-US" sz="2400" dirty="0"/>
+                    </a:p>
+                  </a:txBody>
+                  <a:tcPr/>
+                </a:tc>
+                <a:tc>
+                  <a:txBody>
+                    <a:bodyPr/>
+                    <a:lstStyle/>
+                    <a:p>
+                      <a:r>
+                        <a:rPr lang="en-US" sz="2400" dirty="0" smtClean="0"/>
+                        <a:t>Yes</a:t>
+                      </a:r>
+                      <a:endParaRPr lang="en-US" sz="2400" dirty="0"/>
+                    </a:p>
+                  </a:txBody>
+                  <a:tcPr/>
+                </a:tc>
+                <a:tc>
+                  <a:txBody>
+                    <a:bodyPr/>
+                    <a:lstStyle/>
+                    <a:p>
+                      <a:r>
+                        <a:rPr lang="en-US" sz="2400" dirty="0" smtClean="0"/>
+                        <a:t>Yes</a:t>
+                      </a:r>
+                      <a:endParaRPr lang="en-US" sz="2400" dirty="0"/>
+                    </a:p>
+                  </a:txBody>
+                  <a:tcPr/>
+                </a:tc>
+                <a:tc>
+                  <a:txBody>
+                    <a:bodyPr/>
+                    <a:lstStyle/>
+                    <a:p>
+                      <a:r>
+                        <a:rPr lang="en-US" sz="2400" dirty="0" smtClean="0"/>
+                        <a:t>Yes</a:t>
+                      </a:r>
+                      <a:endParaRPr lang="en-US" sz="2400" dirty="0"/>
+                    </a:p>
+                  </a:txBody>
+                  <a:tcPr/>
+                </a:tc>
+              </a:tr>
+              <a:tr h="526883">
+                <a:tc>
+                  <a:txBody>
+                    <a:bodyPr/>
+                    <a:lstStyle/>
+                    <a:p>
+                      <a:r>
+                        <a:rPr lang="en-US" sz="2400" dirty="0" smtClean="0"/>
+                        <a:t>Background</a:t>
+                      </a:r>
+                      <a:endParaRPr lang="en-US" sz="2400" dirty="0"/>
+                    </a:p>
+                  </a:txBody>
+                  <a:tcPr/>
+                </a:tc>
+                <a:tc>
+                  <a:txBody>
+                    <a:bodyPr/>
+                    <a:lstStyle/>
+                    <a:p>
+                      <a:r>
+                        <a:rPr lang="en-US" sz="2400" dirty="0" smtClean="0"/>
+                        <a:t>No</a:t>
+                      </a:r>
+                      <a:endParaRPr lang="en-US" sz="2400" dirty="0"/>
+                    </a:p>
+                  </a:txBody>
+                  <a:tcPr/>
+                </a:tc>
+                <a:tc>
+                  <a:txBody>
+                    <a:bodyPr/>
+                    <a:lstStyle/>
+                    <a:p>
+                      <a:r>
+                        <a:rPr lang="en-US" sz="2400" dirty="0" smtClean="0"/>
+                        <a:t>Limited</a:t>
+                      </a:r>
+                      <a:endParaRPr lang="en-US" sz="2400" dirty="0"/>
+                    </a:p>
+                  </a:txBody>
+                  <a:tcPr/>
+                </a:tc>
+                <a:tc>
+                  <a:txBody>
+                    <a:bodyPr/>
+                    <a:lstStyle/>
+                    <a:p>
+                      <a:r>
+                        <a:rPr lang="en-US" sz="2400" dirty="0" smtClean="0"/>
+                        <a:t>Yes</a:t>
+                      </a:r>
+                      <a:endParaRPr lang="en-US" sz="2400" dirty="0"/>
+                    </a:p>
+                  </a:txBody>
+                  <a:tcPr/>
+                </a:tc>
+              </a:tr>
+              <a:tr h="526883">
+                <a:tc>
+                  <a:txBody>
+                    <a:bodyPr/>
+                    <a:lstStyle/>
+                    <a:p>
+                      <a:r>
+                        <a:rPr lang="en-US" sz="2400" dirty="0" smtClean="0"/>
+                        <a:t>Offline</a:t>
+                      </a:r>
+                      <a:endParaRPr lang="en-US" sz="2400" dirty="0"/>
+                    </a:p>
+                  </a:txBody>
+                  <a:tcPr/>
+                </a:tc>
+                <a:tc>
+                  <a:txBody>
+                    <a:bodyPr/>
+                    <a:lstStyle/>
+                    <a:p>
+                      <a:r>
+                        <a:rPr lang="en-US" sz="2400" dirty="0" smtClean="0"/>
+                        <a:t>Yes</a:t>
+                      </a:r>
+                      <a:endParaRPr lang="en-US" sz="2400" dirty="0"/>
+                    </a:p>
+                  </a:txBody>
+                  <a:tcPr/>
+                </a:tc>
+                <a:tc>
+                  <a:txBody>
+                    <a:bodyPr/>
+                    <a:lstStyle/>
+                    <a:p>
+                      <a:r>
+                        <a:rPr lang="en-US" sz="2400" dirty="0" smtClean="0"/>
+                        <a:t>Yes</a:t>
+                      </a:r>
+                      <a:endParaRPr lang="en-US" sz="2400" dirty="0"/>
+                    </a:p>
+                  </a:txBody>
+                  <a:tcPr/>
+                </a:tc>
+                <a:tc>
+                  <a:txBody>
+                    <a:bodyPr/>
+                    <a:lstStyle/>
+                    <a:p>
+                      <a:r>
+                        <a:rPr lang="en-US" sz="2400" dirty="0" smtClean="0"/>
+                        <a:t>Yes</a:t>
+                      </a:r>
+                      <a:endParaRPr lang="en-US" sz="2400" dirty="0"/>
+                    </a:p>
+                  </a:txBody>
+                  <a:tcPr/>
+                </a:tc>
+              </a:tr>
+              <a:tr h="526883">
+                <a:tc>
+                  <a:txBody>
+                    <a:bodyPr/>
+                    <a:lstStyle/>
+                    <a:p>
+                      <a:r>
+                        <a:rPr lang="en-US" sz="2400" dirty="0" smtClean="0"/>
+                        <a:t>Motion</a:t>
+                      </a:r>
+                      <a:endParaRPr lang="en-US" sz="2400" dirty="0"/>
+                    </a:p>
+                  </a:txBody>
+                  <a:tcPr/>
+                </a:tc>
+                <a:tc>
+                  <a:txBody>
+                    <a:bodyPr/>
+                    <a:lstStyle/>
+                    <a:p>
+                      <a:r>
+                        <a:rPr lang="en-US" sz="2400" dirty="0" smtClean="0"/>
+                        <a:t>Limited</a:t>
+                      </a:r>
+                      <a:endParaRPr lang="en-US" sz="2400" dirty="0"/>
+                    </a:p>
+                  </a:txBody>
+                  <a:tcPr/>
+                </a:tc>
+                <a:tc>
+                  <a:txBody>
+                    <a:bodyPr/>
+                    <a:lstStyle/>
+                    <a:p>
+                      <a:r>
+                        <a:rPr lang="en-US" sz="2400" dirty="0" smtClean="0"/>
+                        <a:t>Yes</a:t>
+                      </a:r>
+                      <a:endParaRPr lang="en-US" sz="2400" dirty="0"/>
+                    </a:p>
+                  </a:txBody>
+                  <a:tcPr/>
+                </a:tc>
+                <a:tc>
+                  <a:txBody>
+                    <a:bodyPr/>
+                    <a:lstStyle/>
+                    <a:p>
+                      <a:r>
+                        <a:rPr lang="en-US" sz="2400" dirty="0" smtClean="0"/>
+                        <a:t>Yes</a:t>
+                      </a:r>
+                      <a:endParaRPr lang="en-US" sz="2400" dirty="0"/>
+                    </a:p>
+                  </a:txBody>
+                  <a:tcPr/>
+                </a:tc>
+              </a:tr>
+              <a:tr h="526883">
+                <a:tc>
+                  <a:txBody>
+                    <a:bodyPr/>
+                    <a:lstStyle/>
+                    <a:p>
+                      <a:r>
+                        <a:rPr lang="en-US" sz="2400" dirty="0" smtClean="0"/>
+                        <a:t>Contacts</a:t>
+                      </a:r>
+                      <a:endParaRPr lang="en-US" sz="2400" dirty="0"/>
+                    </a:p>
+                  </a:txBody>
+                  <a:tcPr/>
+                </a:tc>
+                <a:tc>
+                  <a:txBody>
+                    <a:bodyPr/>
+                    <a:lstStyle/>
+                    <a:p>
+                      <a:r>
+                        <a:rPr lang="en-US" sz="2400" dirty="0" smtClean="0"/>
+                        <a:t>No</a:t>
+                      </a:r>
+                      <a:endParaRPr lang="en-US" sz="2400" dirty="0"/>
+                    </a:p>
+                  </a:txBody>
+                  <a:tcPr/>
+                </a:tc>
+                <a:tc>
+                  <a:txBody>
+                    <a:bodyPr/>
+                    <a:lstStyle/>
+                    <a:p>
+                      <a:r>
+                        <a:rPr lang="en-US" sz="2400" dirty="0" smtClean="0"/>
+                        <a:t>Yes</a:t>
+                      </a:r>
+                      <a:endParaRPr lang="en-US" sz="2400" dirty="0"/>
+                    </a:p>
+                  </a:txBody>
+                  <a:tcPr/>
+                </a:tc>
+                <a:tc>
+                  <a:txBody>
+                    <a:bodyPr/>
+                    <a:lstStyle/>
+                    <a:p>
+                      <a:r>
+                        <a:rPr lang="en-US" sz="2400" dirty="0" smtClean="0"/>
+                        <a:t>Yes</a:t>
+                      </a:r>
+                      <a:endParaRPr lang="en-US" sz="2400" dirty="0"/>
+                    </a:p>
+                  </a:txBody>
+                  <a:tcPr/>
+                </a:tc>
+              </a:tr>
+              <a:tr h="526883">
+                <a:tc>
+                  <a:txBody>
+                    <a:bodyPr/>
+                    <a:lstStyle/>
+                    <a:p>
+                      <a:r>
+                        <a:rPr lang="en-US" sz="2400" dirty="0" smtClean="0"/>
+                        <a:t>Notifications</a:t>
+                      </a:r>
+                      <a:endParaRPr lang="en-US" sz="2400" dirty="0"/>
+                    </a:p>
+                  </a:txBody>
+                  <a:tcPr/>
+                </a:tc>
+                <a:tc>
+                  <a:txBody>
+                    <a:bodyPr/>
+                    <a:lstStyle/>
+                    <a:p>
+                      <a:r>
+                        <a:rPr lang="en-US" sz="2400" dirty="0" smtClean="0"/>
+                        <a:t>No</a:t>
+                      </a:r>
+                      <a:endParaRPr lang="en-US" sz="2400" dirty="0"/>
+                    </a:p>
+                  </a:txBody>
+                  <a:tcPr/>
+                </a:tc>
+                <a:tc>
+                  <a:txBody>
+                    <a:bodyPr/>
+                    <a:lstStyle/>
+                    <a:p>
+                      <a:r>
+                        <a:rPr lang="en-US" sz="2400" dirty="0" smtClean="0"/>
+                        <a:t>Yes</a:t>
+                      </a:r>
+                      <a:endParaRPr lang="en-US" sz="2400" dirty="0"/>
+                    </a:p>
+                  </a:txBody>
+                  <a:tcPr/>
+                </a:tc>
+                <a:tc>
+                  <a:txBody>
+                    <a:bodyPr/>
+                    <a:lstStyle/>
+                    <a:p>
+                      <a:r>
+                        <a:rPr lang="en-US" sz="2400" dirty="0" smtClean="0"/>
+                        <a:t>Yes</a:t>
+                      </a:r>
+                      <a:endParaRPr lang="en-US" sz="2400" dirty="0"/>
+                    </a:p>
+                  </a:txBody>
+                  <a:tcPr/>
+                </a:tc>
+              </a:tr>
+            </a:tbl>
+          </a:graphicData>
+        </a:graphic>
+      </p:graphicFrame>
     </p:spTree>
     <p:extLst>
       <p:ext uri="{BB962C8B-B14F-4D97-AF65-F5344CB8AC3E}">
-        <p14:creationId xmlns:p14="http://schemas.microsoft.com/office/powerpoint/2010/main" val="2526356855"/>
+        <p14:creationId xmlns:p14="http://schemas.microsoft.com/office/powerpoint/2010/main" val="995762245"/>
       </p:ext>
     </p:extLst>
   </p:cSld>
   <p:clrMapOvr>
     <a:masterClrMapping/>
   </p:clrMapOvr>
-  <p:timing>
-    <p:tnLst>
-      <p:par>
-        <p:cTn id="1" dur="indefinite" restart="never" nodeType="tmRoot"/>
-      </p:par>
-    </p:tnLst>
-  </p:timing>
 </p:sld>
 </file>
 
@@ -4596,38 +5167,14 @@
         </p:nvSpPr>
         <p:spPr/>
         <p:txBody>
-          <a:bodyPr anchor="ctr" anchorCtr="0"/>
-          <a:lstStyle/>
-          <a:p>
-            <a:r>
-              <a:rPr lang="en-US" dirty="0" smtClean="0">
-                <a:latin typeface="+mn-lt"/>
-              </a:rPr>
-              <a:t>HTML</a:t>
-            </a:r>
-            <a:r>
-              <a:rPr lang="en-US" dirty="0" smtClean="0">
-                <a:effectLst>
-                  <a:glow>
-                    <a:schemeClr val="accent1">
-                      <a:alpha val="40000"/>
-                    </a:schemeClr>
-                  </a:glow>
-                </a:effectLst>
-                <a:latin typeface="+mn-lt"/>
-              </a:rPr>
-              <a:t>5</a:t>
-            </a:r>
-            <a:endParaRPr lang="en-US" dirty="0">
-              <a:effectLst>
-                <a:glow>
-                  <a:schemeClr val="accent1">
-                    <a:alpha val="40000"/>
-                  </a:schemeClr>
-                </a:glow>
-              </a:effectLst>
-              <a:latin typeface="+mn-lt"/>
-            </a:endParaRPr>
+          <a:bodyPr/>
+          <a:lstStyle/>
+          <a:p>
+            <a:r>
+              <a:rPr lang="en-US" dirty="0" smtClean="0"/>
+              <a:t>Development Process</a:t>
+            </a:r>
+            <a:endParaRPr lang="en-US" dirty="0"/>
           </a:p>
         </p:txBody>
       </p:sp>
@@ -4641,62 +5188,110 @@
             <p:ph idx="1"/>
           </p:nvPr>
         </p:nvSpPr>
-        <p:spPr/>
-        <p:txBody>
-          <a:bodyPr/>
+        <p:spPr>
+          <a:xfrm>
+            <a:off x="1143000" y="2105527"/>
+            <a:ext cx="9872871" cy="4038600"/>
+          </a:xfrm>
+        </p:spPr>
+        <p:txBody>
+          <a:bodyPr>
+            <a:normAutofit lnSpcReduction="10000"/>
+          </a:bodyPr>
           <a:lstStyle/>
           <a:p>
             <a:r>
               <a:rPr lang="en-US" dirty="0" smtClean="0"/>
-              <a:t>Photo, video, audio</a:t>
-            </a:r>
-          </a:p>
-          <a:p>
-            <a:r>
-              <a:rPr lang="en-US" dirty="0" err="1" smtClean="0"/>
-              <a:t>Geolocation</a:t>
+              <a:t>Web</a:t>
+            </a:r>
+          </a:p>
+          <a:p>
+            <a:pPr lvl="1"/>
+            <a:r>
+              <a:rPr lang="en-US" dirty="0" smtClean="0"/>
+              <a:t>Large world of web development</a:t>
+            </a:r>
+          </a:p>
+          <a:p>
+            <a:pPr lvl="1"/>
+            <a:r>
+              <a:rPr lang="en-US" dirty="0" smtClean="0"/>
+              <a:t>Deploy updates instantly without store approval process</a:t>
             </a:r>
             <a:endParaRPr lang="en-US" dirty="0" smtClean="0"/>
           </a:p>
           <a:p>
             <a:r>
               <a:rPr lang="en-US" dirty="0" smtClean="0"/>
-              <a:t>File/</a:t>
-            </a:r>
-            <a:r>
-              <a:rPr lang="en-US" dirty="0" err="1" smtClean="0"/>
-              <a:t>FileSystem</a:t>
-            </a:r>
+              <a:t>Hybrid</a:t>
+            </a:r>
+          </a:p>
+          <a:p>
+            <a:pPr lvl="1"/>
+            <a:r>
+              <a:rPr lang="en-US" dirty="0" smtClean="0"/>
+              <a:t>Some frameworks have custom developer tools</a:t>
+            </a:r>
+          </a:p>
+          <a:p>
+            <a:pPr lvl="1"/>
+            <a:r>
+              <a:rPr lang="en-US" dirty="0" smtClean="0"/>
+              <a:t>Similar to web app development</a:t>
+            </a:r>
+          </a:p>
+          <a:p>
+            <a:pPr lvl="1"/>
+            <a:r>
+              <a:rPr lang="en-US" dirty="0" smtClean="0"/>
+              <a:t>Difficult to debug native features</a:t>
+            </a:r>
+          </a:p>
+          <a:p>
+            <a:pPr lvl="1"/>
+            <a:r>
+              <a:rPr lang="en-US" dirty="0" smtClean="0"/>
+              <a:t>Plugin development requires native skills</a:t>
+            </a:r>
+          </a:p>
+          <a:p>
+            <a:r>
+              <a:rPr lang="en-US" dirty="0" smtClean="0"/>
+              <a:t>Native</a:t>
+            </a:r>
+          </a:p>
+          <a:p>
+            <a:pPr lvl="1"/>
+            <a:r>
+              <a:rPr lang="en-US" dirty="0" smtClean="0"/>
+              <a:t>Generally better </a:t>
+            </a:r>
+            <a:r>
+              <a:rPr lang="en-US" dirty="0"/>
+              <a:t>d</a:t>
+            </a:r>
+            <a:r>
+              <a:rPr lang="en-US" dirty="0" smtClean="0"/>
+              <a:t>ocumentation</a:t>
+            </a:r>
+          </a:p>
+          <a:p>
+            <a:pPr lvl="1"/>
+            <a:r>
+              <a:rPr lang="en-US" dirty="0" smtClean="0"/>
+              <a:t>More complete debugging tools</a:t>
+            </a:r>
+            <a:endParaRPr lang="en-US" dirty="0"/>
+          </a:p>
+          <a:p>
             <a:endParaRPr lang="en-US" dirty="0" smtClean="0"/>
-          </a:p>
-          <a:p>
-            <a:r>
-              <a:rPr lang="en-US" dirty="0" smtClean="0"/>
-              <a:t>Offline capabilities</a:t>
-            </a:r>
-          </a:p>
-          <a:p>
-            <a:r>
-              <a:rPr lang="en-US" dirty="0" smtClean="0"/>
-              <a:t>Motion sensors</a:t>
-            </a:r>
-          </a:p>
-          <a:p>
-            <a:endParaRPr lang="en-US" dirty="0"/>
-          </a:p>
-          <a:p>
-            <a:r>
-              <a:rPr lang="en-US" dirty="0" smtClean="0"/>
-              <a:t>Mobilehtml5.org</a:t>
-            </a:r>
-            <a:endParaRPr lang="en-US" dirty="0"/>
           </a:p>
         </p:txBody>
       </p:sp>
     </p:spTree>
     <p:extLst>
       <p:ext uri="{BB962C8B-B14F-4D97-AF65-F5344CB8AC3E}">
-        <p14:creationId xmlns:p14="http://schemas.microsoft.com/office/powerpoint/2010/main" val="3000468260"/>
+        <p14:creationId xmlns:p14="http://schemas.microsoft.com/office/powerpoint/2010/main" val="1332486458"/>
       </p:ext>
     </p:extLst>
   </p:cSld>
@@ -4747,7 +5342,7 @@
           <a:p>
             <a:r>
               <a:rPr lang="en-US" dirty="0" smtClean="0"/>
-              <a:t>Hybrid Features</a:t>
+              <a:t>Design Considerations</a:t>
             </a:r>
             <a:endParaRPr lang="en-US" dirty="0"/>
           </a:p>
@@ -4770,26 +5365,43 @@
           <a:p>
             <a:r>
               <a:rPr lang="en-US" dirty="0" smtClean="0"/>
-              <a:t>Better performance than Web worse than Native</a:t>
-            </a:r>
+              <a:t>Web/Hybrid will not look Native, not as consistent</a:t>
+            </a:r>
+            <a:endParaRPr lang="en-US" dirty="0"/>
           </a:p>
           <a:p>
             <a:r>
               <a:rPr lang="en-US" dirty="0" smtClean="0"/>
-              <a:t>Many available plugins already</a:t>
-            </a:r>
-          </a:p>
-          <a:p>
+              <a:t>User experience will be </a:t>
+            </a:r>
             <a:r>
               <a:rPr lang="en-US" dirty="0" smtClean="0"/>
-              <a:t>Expanded functionality requires development in each platform</a:t>
+              <a:t>different</a:t>
             </a:r>
           </a:p>
           <a:p>
             <a:r>
               <a:rPr lang="en-US" dirty="0" smtClean="0"/>
-              <a:t>It’s in the stores</a:t>
-            </a:r>
+              <a:t>Limited performance with web and hybrid applications</a:t>
+            </a:r>
+            <a:endParaRPr lang="en-US" dirty="0" smtClean="0"/>
+          </a:p>
+          <a:p>
+            <a:r>
+              <a:rPr lang="en-US" dirty="0" smtClean="0"/>
+              <a:t>Native apps need to be worth downloading</a:t>
+            </a:r>
+          </a:p>
+          <a:p>
+            <a:r>
+              <a:rPr lang="en-US" dirty="0" smtClean="0"/>
+              <a:t>Saving to home screen</a:t>
+            </a:r>
+          </a:p>
+          <a:p>
+            <a:endParaRPr lang="en-US" dirty="0" smtClean="0"/>
+          </a:p>
+          <a:p>
             <a:endParaRPr lang="en-US" dirty="0"/>
           </a:p>
         </p:txBody>
@@ -4797,13 +5409,20 @@
     </p:spTree>
     <p:extLst>
       <p:ext uri="{BB962C8B-B14F-4D97-AF65-F5344CB8AC3E}">
-        <p14:creationId xmlns:p14="http://schemas.microsoft.com/office/powerpoint/2010/main" val="3460907520"/>
+        <p14:creationId xmlns:p14="http://schemas.microsoft.com/office/powerpoint/2010/main" val="2095851285"/>
       </p:ext>
     </p:extLst>
   </p:cSld>
   <p:clrMapOvr>
     <a:masterClrMapping/>
   </p:clrMapOvr>
+  <p:timing>
+    <p:tnLst>
+      <p:par>
+        <p:cTn id="1" dur="indefinite" restart="never" nodeType="tmRoot"/>
+      </p:par>
+    </p:tnLst>
+  </p:timing>
 </p:sld>
 </file>
 
@@ -4841,7 +5460,7 @@
           <a:p>
             <a:r>
               <a:rPr lang="en-US" dirty="0" smtClean="0"/>
-              <a:t>Development Process</a:t>
+              <a:t>Technologies</a:t>
             </a:r>
             <a:endParaRPr lang="en-US" dirty="0"/>
           </a:p>
@@ -4866,205 +5485,20 @@
               <a:rPr lang="en-US" dirty="0" smtClean="0"/>
               <a:t>Web</a:t>
             </a:r>
-            <a:endParaRPr lang="en-US" dirty="0"/>
-          </a:p>
-          <a:p>
-            <a:endParaRPr lang="en-US" dirty="0" smtClean="0"/>
-          </a:p>
-        </p:txBody>
-      </p:sp>
-    </p:spTree>
-    <p:extLst>
-      <p:ext uri="{BB962C8B-B14F-4D97-AF65-F5344CB8AC3E}">
-        <p14:creationId xmlns:p14="http://schemas.microsoft.com/office/powerpoint/2010/main" val="1332486458"/>
-      </p:ext>
-    </p:extLst>
-  </p:cSld>
-  <p:clrMapOvr>
-    <a:masterClrMapping/>
-  </p:clrMapOvr>
-  <p:timing>
-    <p:tnLst>
-      <p:par>
-        <p:cTn id="1" dur="indefinite" restart="never" nodeType="tmRoot"/>
-      </p:par>
-    </p:tnLst>
-  </p:timing>
-</p:sld>
-</file>
-
-<file path=ppt/slides/slide7.xml><?xml version="1.0" encoding="utf-8"?>
-<p:sld xmlns:a="http://schemas.openxmlformats.org/drawingml/2006/main" xmlns:r="http://schemas.openxmlformats.org/officeDocument/2006/relationships" xmlns:p="http://schemas.openxmlformats.org/presentationml/2006/main">
-  <p:cSld>
-    <p:spTree>
-      <p:nvGrpSpPr>
-        <p:cNvPr id="1" name=""/>
-        <p:cNvGrpSpPr/>
-        <p:nvPr/>
-      </p:nvGrpSpPr>
-      <p:grpSpPr>
-        <a:xfrm>
-          <a:off x="0" y="0"/>
-          <a:ext cx="0" cy="0"/>
-          <a:chOff x="0" y="0"/>
-          <a:chExt cx="0" cy="0"/>
-        </a:xfrm>
-      </p:grpSpPr>
-      <p:sp>
-        <p:nvSpPr>
-          <p:cNvPr id="2" name="Title 1"/>
-          <p:cNvSpPr>
-            <a:spLocks noGrp="1"/>
-          </p:cNvSpPr>
-          <p:nvPr>
-            <p:ph type="title"/>
-          </p:nvPr>
-        </p:nvSpPr>
-        <p:spPr/>
-        <p:txBody>
-          <a:bodyPr/>
-          <a:lstStyle/>
-          <a:p>
+          </a:p>
+          <a:p>
+            <a:pPr lvl="1"/>
             <a:r>
               <a:rPr lang="en-US" dirty="0" smtClean="0"/>
-              <a:t>Design Considerations</a:t>
-            </a:r>
-            <a:endParaRPr lang="en-US" dirty="0"/>
-          </a:p>
-        </p:txBody>
-      </p:sp>
-      <p:sp>
-        <p:nvSpPr>
-          <p:cNvPr id="3" name="Content Placeholder 2"/>
-          <p:cNvSpPr>
-            <a:spLocks noGrp="1"/>
-          </p:cNvSpPr>
-          <p:nvPr>
-            <p:ph idx="1"/>
-          </p:nvPr>
-        </p:nvSpPr>
-        <p:spPr/>
-        <p:txBody>
-          <a:bodyPr/>
-          <a:lstStyle/>
-          <a:p>
+              <a:t>jQuery </a:t>
+            </a:r>
             <a:r>
               <a:rPr lang="en-US" dirty="0" smtClean="0"/>
-              <a:t>Web/Hybrid will not look Native, not as consistent</a:t>
-            </a:r>
-            <a:endParaRPr lang="en-US" dirty="0"/>
-          </a:p>
-          <a:p>
-            <a:r>
-              <a:rPr lang="en-US" dirty="0" smtClean="0"/>
-              <a:t>User experience will be different</a:t>
-            </a:r>
-          </a:p>
-          <a:p>
-            <a:r>
-              <a:rPr lang="en-US" dirty="0" smtClean="0"/>
-              <a:t>Native </a:t>
-            </a:r>
-            <a:r>
-              <a:rPr lang="en-US" dirty="0" smtClean="0"/>
-              <a:t>apps need to be worth downloading</a:t>
-            </a:r>
-          </a:p>
-          <a:p>
-            <a:r>
-              <a:rPr lang="en-US" dirty="0" smtClean="0"/>
-              <a:t>Saving to home screen</a:t>
-            </a:r>
-          </a:p>
-          <a:p>
-            <a:endParaRPr lang="en-US" dirty="0" smtClean="0"/>
-          </a:p>
-          <a:p>
-            <a:endParaRPr lang="en-US" dirty="0"/>
-          </a:p>
-        </p:txBody>
-      </p:sp>
-    </p:spTree>
-    <p:extLst>
-      <p:ext uri="{BB962C8B-B14F-4D97-AF65-F5344CB8AC3E}">
-        <p14:creationId xmlns:p14="http://schemas.microsoft.com/office/powerpoint/2010/main" val="2095851285"/>
-      </p:ext>
-    </p:extLst>
-  </p:cSld>
-  <p:clrMapOvr>
-    <a:masterClrMapping/>
-  </p:clrMapOvr>
-  <p:timing>
-    <p:tnLst>
-      <p:par>
-        <p:cTn id="1" dur="indefinite" restart="never" nodeType="tmRoot"/>
-      </p:par>
-    </p:tnLst>
-  </p:timing>
-</p:sld>
-</file>
-
-<file path=ppt/slides/slide8.xml><?xml version="1.0" encoding="utf-8"?>
-<p:sld xmlns:a="http://schemas.openxmlformats.org/drawingml/2006/main" xmlns:r="http://schemas.openxmlformats.org/officeDocument/2006/relationships" xmlns:p="http://schemas.openxmlformats.org/presentationml/2006/main">
-  <p:cSld>
-    <p:spTree>
-      <p:nvGrpSpPr>
-        <p:cNvPr id="1" name=""/>
-        <p:cNvGrpSpPr/>
-        <p:nvPr/>
-      </p:nvGrpSpPr>
-      <p:grpSpPr>
-        <a:xfrm>
-          <a:off x="0" y="0"/>
-          <a:ext cx="0" cy="0"/>
-          <a:chOff x="0" y="0"/>
-          <a:chExt cx="0" cy="0"/>
-        </a:xfrm>
-      </p:grpSpPr>
-      <p:sp>
-        <p:nvSpPr>
-          <p:cNvPr id="2" name="Title 1"/>
-          <p:cNvSpPr>
-            <a:spLocks noGrp="1"/>
-          </p:cNvSpPr>
-          <p:nvPr>
-            <p:ph type="title"/>
-          </p:nvPr>
-        </p:nvSpPr>
-        <p:spPr/>
-        <p:txBody>
-          <a:bodyPr/>
-          <a:lstStyle/>
-          <a:p>
-            <a:r>
-              <a:rPr lang="en-US" dirty="0" smtClean="0"/>
-              <a:t>Technologies</a:t>
-            </a:r>
-            <a:endParaRPr lang="en-US" dirty="0"/>
-          </a:p>
-        </p:txBody>
-      </p:sp>
-      <p:sp>
-        <p:nvSpPr>
-          <p:cNvPr id="3" name="Content Placeholder 2"/>
-          <p:cNvSpPr>
-            <a:spLocks noGrp="1"/>
-          </p:cNvSpPr>
-          <p:nvPr>
-            <p:ph idx="1"/>
-          </p:nvPr>
-        </p:nvSpPr>
-        <p:spPr/>
-        <p:txBody>
-          <a:bodyPr/>
-          <a:lstStyle/>
-          <a:p>
-            <a:r>
-              <a:rPr lang="en-US" dirty="0" smtClean="0"/>
-              <a:t>jQuery Mobile</a:t>
-            </a:r>
-          </a:p>
-          <a:p>
+              <a:t>Mobile</a:t>
+            </a:r>
+          </a:p>
+          <a:p>
+            <a:pPr lvl="1"/>
             <a:r>
               <a:rPr lang="en-US" dirty="0" err="1" smtClean="0"/>
               <a:t>Sencha</a:t>
@@ -5075,6 +5509,7 @@
             </a:r>
           </a:p>
           <a:p>
+            <a:pPr lvl="1"/>
             <a:r>
               <a:rPr lang="en-US" dirty="0" smtClean="0"/>
               <a:t>GWT/</a:t>
@@ -5086,21 +5521,35 @@
             <a:endParaRPr lang="en-US" dirty="0" smtClean="0"/>
           </a:p>
           <a:p>
+            <a:pPr lvl="1"/>
             <a:r>
               <a:rPr lang="en-US" dirty="0" smtClean="0"/>
-              <a:t>Kendo UI</a:t>
-            </a:r>
-          </a:p>
-          <a:p>
-            <a:r>
-              <a:rPr lang="en-US" dirty="0" err="1"/>
+              <a:t>Kendo </a:t>
+            </a:r>
+            <a:r>
+              <a:rPr lang="en-US" dirty="0" smtClean="0"/>
+              <a:t>UI</a:t>
+            </a:r>
+            <a:endParaRPr lang="en-US" dirty="0" smtClean="0"/>
+          </a:p>
+          <a:p>
+            <a:r>
+              <a:rPr lang="en-US" dirty="0" smtClean="0"/>
+              <a:t>Hybrid</a:t>
+            </a:r>
+          </a:p>
+          <a:p>
+            <a:pPr lvl="1"/>
+            <a:r>
+              <a:rPr lang="en-US" dirty="0" err="1" smtClean="0"/>
               <a:t>PhoneGap</a:t>
             </a:r>
             <a:endParaRPr lang="en-US" dirty="0"/>
           </a:p>
           <a:p>
-            <a:r>
-              <a:rPr lang="en-US" dirty="0" err="1"/>
+            <a:pPr lvl="1"/>
+            <a:r>
+              <a:rPr lang="en-US" dirty="0" err="1" smtClean="0"/>
               <a:t>Appcelerator</a:t>
             </a:r>
             <a:endParaRPr lang="en-US" dirty="0"/>
@@ -5123,7 +5572,7 @@
 </p:sld>
 </file>
 
-<file path=ppt/slides/slide9.xml><?xml version="1.0" encoding="utf-8"?>
+<file path=ppt/slides/slide7.xml><?xml version="1.0" encoding="utf-8"?>
 <p:sld xmlns:a="http://schemas.openxmlformats.org/drawingml/2006/main" xmlns:r="http://schemas.openxmlformats.org/officeDocument/2006/relationships" xmlns:p="http://schemas.openxmlformats.org/presentationml/2006/main">
   <p:cSld>
     <p:spTree>
